--- a/Documentación/Book-IT-ing presentacion.pptx
+++ b/Documentación/Book-IT-ing presentacion.pptx
@@ -11502,31 +11502,6 @@
           </a:p>
         </p:txBody>
       </p:sp>
-      <p:sp>
-        <p:nvSpPr>
-          <p:cNvPr id="6" name="Marcador de contenido 5">
-            <a:extLst>
-              <a:ext uri="{FF2B5EF4-FFF2-40B4-BE49-F238E27FC236}">
-                <a16:creationId xmlns:a16="http://schemas.microsoft.com/office/drawing/2014/main" id="{61B398EE-6D6D-EBF6-4EC7-580DB6C5225C}"/>
-              </a:ext>
-            </a:extLst>
-          </p:cNvPr>
-          <p:cNvSpPr>
-            <a:spLocks noGrp="1"/>
-          </p:cNvSpPr>
-          <p:nvPr>
-            <p:ph idx="12"/>
-          </p:nvPr>
-        </p:nvSpPr>
-        <p:spPr/>
-        <p:txBody>
-          <a:bodyPr/>
-          <a:lstStyle/>
-          <a:p>
-            <a:endParaRPr lang="es-ES" dirty="0"/>
-          </a:p>
-        </p:txBody>
-      </p:sp>
       <p:pic>
         <p:nvPicPr>
           <p:cNvPr id="2" name="Imagen 1" descr="Interfaz de usuario gráfica, Aplicación&#10;&#10;Descripción generada automáticamente con confianza media">
@@ -11549,8 +11524,8 @@
         </p:blipFill>
         <p:spPr>
           <a:xfrm>
-            <a:off x="430893" y="2486662"/>
-            <a:ext cx="5400040" cy="1580515"/>
+            <a:off x="391564" y="1523101"/>
+            <a:ext cx="7729514" cy="2262319"/>
           </a:xfrm>
           <a:prstGeom prst="rect">
             <a:avLst/>
@@ -11579,8 +11554,8 @@
         </p:blipFill>
         <p:spPr>
           <a:xfrm>
-            <a:off x="5982426" y="2486662"/>
-            <a:ext cx="5400040" cy="1584325"/>
+            <a:off x="3770167" y="3869519"/>
+            <a:ext cx="8225508" cy="2413293"/>
           </a:xfrm>
           <a:prstGeom prst="rect">
             <a:avLst/>
@@ -11654,31 +11629,6 @@
               <a:rPr lang="es-ES" dirty="0"/>
               <a:t>Registro hotel</a:t>
             </a:r>
-          </a:p>
-        </p:txBody>
-      </p:sp>
-      <p:sp>
-        <p:nvSpPr>
-          <p:cNvPr id="6" name="Marcador de contenido 5">
-            <a:extLst>
-              <a:ext uri="{FF2B5EF4-FFF2-40B4-BE49-F238E27FC236}">
-                <a16:creationId xmlns:a16="http://schemas.microsoft.com/office/drawing/2014/main" id="{61B398EE-6D6D-EBF6-4EC7-580DB6C5225C}"/>
-              </a:ext>
-            </a:extLst>
-          </p:cNvPr>
-          <p:cNvSpPr>
-            <a:spLocks noGrp="1"/>
-          </p:cNvSpPr>
-          <p:nvPr>
-            <p:ph idx="12"/>
-          </p:nvPr>
-        </p:nvSpPr>
-        <p:spPr/>
-        <p:txBody>
-          <a:bodyPr/>
-          <a:lstStyle/>
-          <a:p>
-            <a:endParaRPr lang="es-ES"/>
           </a:p>
         </p:txBody>
       </p:sp>
@@ -11779,31 +11729,6 @@
               <a:rPr lang="es-ES" dirty="0"/>
               <a:t>Listado hoteles</a:t>
             </a:r>
-          </a:p>
-        </p:txBody>
-      </p:sp>
-      <p:sp>
-        <p:nvSpPr>
-          <p:cNvPr id="6" name="Marcador de contenido 5">
-            <a:extLst>
-              <a:ext uri="{FF2B5EF4-FFF2-40B4-BE49-F238E27FC236}">
-                <a16:creationId xmlns:a16="http://schemas.microsoft.com/office/drawing/2014/main" id="{61B398EE-6D6D-EBF6-4EC7-580DB6C5225C}"/>
-              </a:ext>
-            </a:extLst>
-          </p:cNvPr>
-          <p:cNvSpPr>
-            <a:spLocks noGrp="1"/>
-          </p:cNvSpPr>
-          <p:nvPr>
-            <p:ph idx="12"/>
-          </p:nvPr>
-        </p:nvSpPr>
-        <p:spPr/>
-        <p:txBody>
-          <a:bodyPr/>
-          <a:lstStyle/>
-          <a:p>
-            <a:endParaRPr lang="es-ES"/>
           </a:p>
         </p:txBody>
       </p:sp>
@@ -12004,33 +11929,8 @@
             <a:pPr rtl="0"/>
             <a:r>
               <a:rPr lang="es-ES" dirty="0"/>
-              <a:t>Cliente vista principal</a:t>
+              <a:t>Usuario Cliente</a:t>
             </a:r>
-          </a:p>
-        </p:txBody>
-      </p:sp>
-      <p:sp>
-        <p:nvSpPr>
-          <p:cNvPr id="6" name="Marcador de contenido 5">
-            <a:extLst>
-              <a:ext uri="{FF2B5EF4-FFF2-40B4-BE49-F238E27FC236}">
-                <a16:creationId xmlns:a16="http://schemas.microsoft.com/office/drawing/2014/main" id="{61B398EE-6D6D-EBF6-4EC7-580DB6C5225C}"/>
-              </a:ext>
-            </a:extLst>
-          </p:cNvPr>
-          <p:cNvSpPr>
-            <a:spLocks noGrp="1"/>
-          </p:cNvSpPr>
-          <p:nvPr>
-            <p:ph idx="12"/>
-          </p:nvPr>
-        </p:nvSpPr>
-        <p:spPr/>
-        <p:txBody>
-          <a:bodyPr/>
-          <a:lstStyle/>
-          <a:p>
-            <a:endParaRPr lang="es-ES"/>
           </a:p>
         </p:txBody>
       </p:sp>
@@ -12129,33 +12029,8 @@
             <a:pPr rtl="0"/>
             <a:r>
               <a:rPr lang="es-ES" dirty="0"/>
-              <a:t>Cliente listar habitaciones</a:t>
+              <a:t>Listar habitaciones</a:t>
             </a:r>
-          </a:p>
-        </p:txBody>
-      </p:sp>
-      <p:sp>
-        <p:nvSpPr>
-          <p:cNvPr id="6" name="Marcador de contenido 5">
-            <a:extLst>
-              <a:ext uri="{FF2B5EF4-FFF2-40B4-BE49-F238E27FC236}">
-                <a16:creationId xmlns:a16="http://schemas.microsoft.com/office/drawing/2014/main" id="{61B398EE-6D6D-EBF6-4EC7-580DB6C5225C}"/>
-              </a:ext>
-            </a:extLst>
-          </p:cNvPr>
-          <p:cNvSpPr>
-            <a:spLocks noGrp="1"/>
-          </p:cNvSpPr>
-          <p:nvPr>
-            <p:ph idx="12"/>
-          </p:nvPr>
-        </p:nvSpPr>
-        <p:spPr/>
-        <p:txBody>
-          <a:bodyPr/>
-          <a:lstStyle/>
-          <a:p>
-            <a:endParaRPr lang="es-ES"/>
           </a:p>
         </p:txBody>
       </p:sp>
@@ -12254,33 +12129,8 @@
             <a:pPr rtl="0"/>
             <a:r>
               <a:rPr lang="es-ES" dirty="0"/>
-              <a:t>Cliente alta reserva</a:t>
+              <a:t>Alta reservas</a:t>
             </a:r>
-          </a:p>
-        </p:txBody>
-      </p:sp>
-      <p:sp>
-        <p:nvSpPr>
-          <p:cNvPr id="6" name="Marcador de contenido 5">
-            <a:extLst>
-              <a:ext uri="{FF2B5EF4-FFF2-40B4-BE49-F238E27FC236}">
-                <a16:creationId xmlns:a16="http://schemas.microsoft.com/office/drawing/2014/main" id="{61B398EE-6D6D-EBF6-4EC7-580DB6C5225C}"/>
-              </a:ext>
-            </a:extLst>
-          </p:cNvPr>
-          <p:cNvSpPr>
-            <a:spLocks noGrp="1"/>
-          </p:cNvSpPr>
-          <p:nvPr>
-            <p:ph idx="12"/>
-          </p:nvPr>
-        </p:nvSpPr>
-        <p:spPr/>
-        <p:txBody>
-          <a:bodyPr/>
-          <a:lstStyle/>
-          <a:p>
-            <a:endParaRPr lang="es-ES"/>
           </a:p>
         </p:txBody>
       </p:sp>
@@ -12497,7 +12347,7 @@
             <a:pPr rtl="0"/>
             <a:r>
               <a:rPr lang="es-ES" dirty="0"/>
-              <a:t>Agenda</a:t>
+              <a:t>Índice</a:t>
             </a:r>
           </a:p>
         </p:txBody>
@@ -12544,7 +12394,7 @@
             <a:pPr rtl="0"/>
             <a:r>
               <a:rPr lang="es-ES" dirty="0"/>
-              <a:t>Objetivos a cubrir</a:t>
+              <a:t>Objetivos para cubrir</a:t>
             </a:r>
           </a:p>
           <a:p>
@@ -12763,87 +12613,6 @@
           <a:noFill/>
         </p:spPr>
       </p:pic>
-      <p:sp>
-        <p:nvSpPr>
-          <p:cNvPr id="4" name="CuadroTexto 3">
-            <a:extLst>
-              <a:ext uri="{FF2B5EF4-FFF2-40B4-BE49-F238E27FC236}">
-                <a16:creationId xmlns:a16="http://schemas.microsoft.com/office/drawing/2014/main" id="{164D3576-9EA1-9932-4B91-EA1A4D819E70}"/>
-              </a:ext>
-            </a:extLst>
-          </p:cNvPr>
-          <p:cNvSpPr txBox="1"/>
-          <p:nvPr/>
-        </p:nvSpPr>
-        <p:spPr>
-          <a:xfrm>
-            <a:off x="8581312" y="5184227"/>
-            <a:ext cx="2356735" cy="200055"/>
-          </a:xfrm>
-          <a:prstGeom prst="rect">
-            <a:avLst/>
-          </a:prstGeom>
-          <a:solidFill>
-            <a:srgbClr val="000000"/>
-          </a:solidFill>
-        </p:spPr>
-        <p:txBody>
-          <a:bodyPr wrap="none" rtlCol="0">
-            <a:spAutoFit/>
-          </a:bodyPr>
-          <a:lstStyle/>
-          <a:p>
-            <a:pPr algn="r">
-              <a:spcAft>
-                <a:spcPts val="600"/>
-              </a:spcAft>
-            </a:pPr>
-            <a:r>
-              <a:rPr lang="es-ES" sz="700">
-                <a:solidFill>
-                  <a:srgbClr val="FFFFFF"/>
-                </a:solidFill>
-                <a:hlinkClick r:id="rId4" tooltip="https://rincondelemprendedor.es/consejos-crear-pagina-web-negocio/">
-                  <a:extLst>
-                    <a:ext uri="{A12FA001-AC4F-418D-AE19-62706E023703}">
-                      <ahyp:hlinkClr xmlns:ahyp="http://schemas.microsoft.com/office/drawing/2018/hyperlinkcolor" val="tx"/>
-                    </a:ext>
-                  </a:extLst>
-                </a:hlinkClick>
-              </a:rPr>
-              <a:t>Esta foto</a:t>
-            </a:r>
-            <a:r>
-              <a:rPr lang="es-ES" sz="700">
-                <a:solidFill>
-                  <a:srgbClr val="FFFFFF"/>
-                </a:solidFill>
-              </a:rPr>
-              <a:t> de Autor desconocido está bajo licencia </a:t>
-            </a:r>
-            <a:r>
-              <a:rPr lang="es-ES" sz="700">
-                <a:solidFill>
-                  <a:srgbClr val="FFFFFF"/>
-                </a:solidFill>
-                <a:hlinkClick r:id="rId5" tooltip="https://creativecommons.org/licenses/by/3.0/">
-                  <a:extLst>
-                    <a:ext uri="{A12FA001-AC4F-418D-AE19-62706E023703}">
-                      <ahyp:hlinkClr xmlns:ahyp="http://schemas.microsoft.com/office/drawing/2018/hyperlinkcolor" val="tx"/>
-                    </a:ext>
-                  </a:extLst>
-                </a:hlinkClick>
-              </a:rPr>
-              <a:t>CC BY</a:t>
-            </a:r>
-            <a:endParaRPr lang="es-ES" sz="700">
-              <a:solidFill>
-                <a:srgbClr val="FFFFFF"/>
-              </a:solidFill>
-            </a:endParaRPr>
-          </a:p>
-        </p:txBody>
-      </p:sp>
     </p:spTree>
     <p:extLst>
       <p:ext uri="{BB962C8B-B14F-4D97-AF65-F5344CB8AC3E}">
@@ -13045,10 +12814,9 @@
           <a:p>
             <a:pPr rtl="0"/>
             <a:r>
-              <a:rPr lang="es-ES" dirty="0" err="1"/>
+              <a:rPr lang="es-ES" dirty="0"/>
               <a:t>Login</a:t>
             </a:r>
-            <a:endParaRPr lang="es-ES" dirty="0"/>
           </a:p>
         </p:txBody>
       </p:sp>
@@ -13083,31 +12851,6 @@
           <a:noFill/>
         </p:spPr>
       </p:pic>
-      <p:sp>
-        <p:nvSpPr>
-          <p:cNvPr id="6" name="Marcador de contenido 5">
-            <a:extLst>
-              <a:ext uri="{FF2B5EF4-FFF2-40B4-BE49-F238E27FC236}">
-                <a16:creationId xmlns:a16="http://schemas.microsoft.com/office/drawing/2014/main" id="{61B398EE-6D6D-EBF6-4EC7-580DB6C5225C}"/>
-              </a:ext>
-            </a:extLst>
-          </p:cNvPr>
-          <p:cNvSpPr>
-            <a:spLocks noGrp="1"/>
-          </p:cNvSpPr>
-          <p:nvPr>
-            <p:ph idx="12"/>
-          </p:nvPr>
-        </p:nvSpPr>
-        <p:spPr/>
-        <p:txBody>
-          <a:bodyPr/>
-          <a:lstStyle/>
-          <a:p>
-            <a:endParaRPr lang="es-ES"/>
-          </a:p>
-        </p:txBody>
-      </p:sp>
     </p:spTree>
     <p:extLst>
       <p:ext uri="{BB962C8B-B14F-4D97-AF65-F5344CB8AC3E}">
@@ -13175,31 +12918,6 @@
               <a:rPr lang="es-ES" dirty="0"/>
               <a:t>Registro Usuario</a:t>
             </a:r>
-          </a:p>
-        </p:txBody>
-      </p:sp>
-      <p:sp>
-        <p:nvSpPr>
-          <p:cNvPr id="6" name="Marcador de contenido 5">
-            <a:extLst>
-              <a:ext uri="{FF2B5EF4-FFF2-40B4-BE49-F238E27FC236}">
-                <a16:creationId xmlns:a16="http://schemas.microsoft.com/office/drawing/2014/main" id="{61B398EE-6D6D-EBF6-4EC7-580DB6C5225C}"/>
-              </a:ext>
-            </a:extLst>
-          </p:cNvPr>
-          <p:cNvSpPr>
-            <a:spLocks noGrp="1"/>
-          </p:cNvSpPr>
-          <p:nvPr>
-            <p:ph idx="12"/>
-          </p:nvPr>
-        </p:nvSpPr>
-        <p:spPr/>
-        <p:txBody>
-          <a:bodyPr/>
-          <a:lstStyle/>
-          <a:p>
-            <a:endParaRPr lang="es-ES"/>
           </a:p>
         </p:txBody>
       </p:sp>
@@ -13297,38 +13015,9 @@
           <a:p>
             <a:pPr rtl="0"/>
             <a:r>
-              <a:rPr lang="es-ES" dirty="0" err="1"/>
-              <a:t>Admin</a:t>
+              <a:rPr lang="es-ES" dirty="0"/>
+              <a:t>Usuario Administrador</a:t>
             </a:r>
-            <a:r>
-              <a:rPr lang="es-ES" dirty="0"/>
-              <a:t> página principal</a:t>
-            </a:r>
-          </a:p>
-        </p:txBody>
-      </p:sp>
-      <p:sp>
-        <p:nvSpPr>
-          <p:cNvPr id="6" name="Marcador de contenido 5">
-            <a:extLst>
-              <a:ext uri="{FF2B5EF4-FFF2-40B4-BE49-F238E27FC236}">
-                <a16:creationId xmlns:a16="http://schemas.microsoft.com/office/drawing/2014/main" id="{61B398EE-6D6D-EBF6-4EC7-580DB6C5225C}"/>
-              </a:ext>
-            </a:extLst>
-          </p:cNvPr>
-          <p:cNvSpPr>
-            <a:spLocks noGrp="1"/>
-          </p:cNvSpPr>
-          <p:nvPr>
-            <p:ph idx="12"/>
-          </p:nvPr>
-        </p:nvSpPr>
-        <p:spPr/>
-        <p:txBody>
-          <a:bodyPr/>
-          <a:lstStyle/>
-          <a:p>
-            <a:endParaRPr lang="es-ES"/>
           </a:p>
         </p:txBody>
       </p:sp>
@@ -13427,38 +13116,8 @@
             <a:pPr rtl="0"/>
             <a:r>
               <a:rPr lang="es-ES" dirty="0"/>
-              <a:t>Listar habitaciones </a:t>
+              <a:t>Listar habitaciones</a:t>
             </a:r>
-            <a:r>
-              <a:rPr lang="es-ES" dirty="0" err="1"/>
-              <a:t>Admin</a:t>
-            </a:r>
-            <a:endParaRPr lang="es-ES" dirty="0"/>
-          </a:p>
-        </p:txBody>
-      </p:sp>
-      <p:sp>
-        <p:nvSpPr>
-          <p:cNvPr id="6" name="Marcador de contenido 5">
-            <a:extLst>
-              <a:ext uri="{FF2B5EF4-FFF2-40B4-BE49-F238E27FC236}">
-                <a16:creationId xmlns:a16="http://schemas.microsoft.com/office/drawing/2014/main" id="{61B398EE-6D6D-EBF6-4EC7-580DB6C5225C}"/>
-              </a:ext>
-            </a:extLst>
-          </p:cNvPr>
-          <p:cNvSpPr>
-            <a:spLocks noGrp="1"/>
-          </p:cNvSpPr>
-          <p:nvPr>
-            <p:ph idx="12"/>
-          </p:nvPr>
-        </p:nvSpPr>
-        <p:spPr/>
-        <p:txBody>
-          <a:bodyPr/>
-          <a:lstStyle/>
-          <a:p>
-            <a:endParaRPr lang="es-ES"/>
           </a:p>
         </p:txBody>
       </p:sp>
@@ -13484,8 +13143,8 @@
         </p:blipFill>
         <p:spPr>
           <a:xfrm>
-            <a:off x="3688080" y="2500312"/>
-            <a:ext cx="4815840" cy="1857375"/>
+            <a:off x="1642971" y="2116854"/>
+            <a:ext cx="9475934" cy="3654682"/>
           </a:xfrm>
           <a:prstGeom prst="rect">
             <a:avLst/>
@@ -14317,15 +13976,6 @@
 </file>
 
 <file path=customXml/item2.xml><?xml version="1.0" encoding="utf-8"?>
-<?mso-contentType ?>
-<FormTemplates xmlns="http://schemas.microsoft.com/sharepoint/v3/contenttype/forms">
-  <Display>DocumentLibraryForm</Display>
-  <Edit>DocumentLibraryForm</Edit>
-  <New>DocumentLibraryForm</New>
-</FormTemplates>
-</file>
-
-<file path=customXml/item3.xml><?xml version="1.0" encoding="utf-8"?>
 <ct:contentTypeSchema xmlns:ct="http://schemas.microsoft.com/office/2006/metadata/contentType" xmlns:ma="http://schemas.microsoft.com/office/2006/metadata/properties/metaAttributes" ct:_="" ma:_="" ma:contentTypeName="Document" ma:contentTypeID="0x01010079F111ED35F8CC479449609E8A0923A6" ma:contentTypeVersion="28" ma:contentTypeDescription="Create a new document." ma:contentTypeScope="" ma:versionID="60f5a4f2d2b0abadcf532d48ebf9cb71">
   <xsd:schema xmlns:xsd="http://www.w3.org/2001/XMLSchema" xmlns:xs="http://www.w3.org/2001/XMLSchema" xmlns:p="http://schemas.microsoft.com/office/2006/metadata/properties" xmlns:ns1="http://schemas.microsoft.com/sharepoint/v3" xmlns:ns2="71af3243-3dd4-4a8d-8c0d-dd76da1f02a5" xmlns:ns3="16c05727-aa75-4e4a-9b5f-8a80a1165891" xmlns:ns4="230e9df3-be65-4c73-a93b-d1236ebd677e" targetNamespace="http://schemas.microsoft.com/office/2006/metadata/properties" ma:root="true" ma:fieldsID="7dd78129e6a1811f84807ad11c651531" ns1:_="" ns2:_="" ns3:_="" ns4:_="">
     <xsd:import namespace="http://schemas.microsoft.com/sharepoint/v3"/>
@@ -14637,6 +14287,15 @@
 </ct:contentTypeSchema>
 </file>
 
+<file path=customXml/item3.xml><?xml version="1.0" encoding="utf-8"?>
+<?mso-contentType ?>
+<FormTemplates xmlns="http://schemas.microsoft.com/sharepoint/v3/contenttype/forms">
+  <Display>DocumentLibraryForm</Display>
+  <Edit>DocumentLibraryForm</Edit>
+  <New>DocumentLibraryForm</New>
+</FormTemplates>
+</file>
+
 <file path=customXml/itemProps1.xml><?xml version="1.0" encoding="utf-8"?>
 <ds:datastoreItem xmlns:ds="http://schemas.openxmlformats.org/officeDocument/2006/customXml" ds:itemID="{61E98C35-9ECE-4425-BCBA-00E118C705CE}">
   <ds:schemaRefs>
@@ -14650,14 +14309,6 @@
 </file>
 
 <file path=customXml/itemProps2.xml><?xml version="1.0" encoding="utf-8"?>
-<ds:datastoreItem xmlns:ds="http://schemas.openxmlformats.org/officeDocument/2006/customXml" ds:itemID="{45A8381C-73EB-48EA-B45F-7B7C8C7DF409}">
-  <ds:schemaRefs>
-    <ds:schemaRef ds:uri="http://schemas.microsoft.com/sharepoint/v3/contenttype/forms"/>
-  </ds:schemaRefs>
-</ds:datastoreItem>
-</file>
-
-<file path=customXml/itemProps3.xml><?xml version="1.0" encoding="utf-8"?>
 <ds:datastoreItem xmlns:ds="http://schemas.openxmlformats.org/officeDocument/2006/customXml" ds:itemID="{5AA6A711-2C3F-4EC0-B88B-62D740851176}">
   <ds:schemaRefs>
     <ds:schemaRef ds:uri="http://schemas.microsoft.com/office/2006/metadata/contentType"/>
@@ -14678,6 +14329,14 @@
 </ds:datastoreItem>
 </file>
 
+<file path=customXml/itemProps3.xml><?xml version="1.0" encoding="utf-8"?>
+<ds:datastoreItem xmlns:ds="http://schemas.openxmlformats.org/officeDocument/2006/customXml" ds:itemID="{45A8381C-73EB-48EA-B45F-7B7C8C7DF409}">
+  <ds:schemaRefs>
+    <ds:schemaRef ds:uri="http://schemas.microsoft.com/sharepoint/v3/contenttype/forms"/>
+  </ds:schemaRefs>
+</ds:datastoreItem>
+</file>
+
 <file path=docMetadata/LabelInfo.xml><?xml version="1.0" encoding="utf-8"?>
 <clbl:labelList xmlns:clbl="http://schemas.microsoft.com/office/2020/mipLabelMetadata"/>
 </file>
--- a/Documentación/Book-IT-ing presentacion.pptx
+++ b/Documentación/Book-IT-ing presentacion.pptx
@@ -5,10 +5,10 @@
     <p:sldMasterId id="2147483648" r:id="rId4"/>
   </p:sldMasterIdLst>
   <p:notesMasterIdLst>
-    <p:notesMasterId r:id="rId22"/>
+    <p:notesMasterId r:id="rId24"/>
   </p:notesMasterIdLst>
   <p:handoutMasterIdLst>
-    <p:handoutMasterId r:id="rId23"/>
+    <p:handoutMasterId r:id="rId25"/>
   </p:handoutMasterIdLst>
   <p:sldIdLst>
     <p:sldId id="256" r:id="rId5"/>
@@ -23,11 +23,13 @@
     <p:sldId id="305" r:id="rId14"/>
     <p:sldId id="303" r:id="rId15"/>
     <p:sldId id="304" r:id="rId16"/>
-    <p:sldId id="306" r:id="rId17"/>
-    <p:sldId id="307" r:id="rId18"/>
-    <p:sldId id="308" r:id="rId19"/>
-    <p:sldId id="309" r:id="rId20"/>
-    <p:sldId id="296" r:id="rId21"/>
+    <p:sldId id="310" r:id="rId17"/>
+    <p:sldId id="306" r:id="rId18"/>
+    <p:sldId id="307" r:id="rId19"/>
+    <p:sldId id="308" r:id="rId20"/>
+    <p:sldId id="309" r:id="rId21"/>
+    <p:sldId id="311" r:id="rId22"/>
+    <p:sldId id="296" r:id="rId23"/>
   </p:sldIdLst>
   <p:sldSz cx="12192000" cy="6858000"/>
   <p:notesSz cx="6858000" cy="9144000"/>
@@ -245,7 +247,7 @@
             <a:pPr rtl="0"/>
             <a:fld id="{DD7406EE-1E5E-4394-B508-934A428A455A}" type="datetime1">
               <a:rPr lang="es-ES" smtClean="0"/>
-              <a:t>05/06/2024</a:t>
+              <a:t>06/06/2024</a:t>
             </a:fld>
             <a:endParaRPr lang="es-ES" dirty="0"/>
           </a:p>
@@ -427,7 +429,7 @@
             <a:pPr rtl="0"/>
             <a:fld id="{920ADD3C-FF21-4216-9D7A-8A22E020B1F0}" type="datetime1">
               <a:rPr lang="es-ES" smtClean="0"/>
-              <a:t>05/06/2024</a:t>
+              <a:t>06/06/2024</a:t>
             </a:fld>
             <a:endParaRPr lang="es-ES" dirty="0"/>
           </a:p>
@@ -1166,7 +1168,7 @@
     </p:spTree>
     <p:extLst>
       <p:ext uri="{BB962C8B-B14F-4D97-AF65-F5344CB8AC3E}">
-        <p14:creationId xmlns:p14="http://schemas.microsoft.com/office/powerpoint/2010/main" val="518563133"/>
+        <p14:creationId xmlns:p14="http://schemas.microsoft.com/office/powerpoint/2010/main" val="262705546"/>
       </p:ext>
     </p:extLst>
   </p:cSld>
@@ -1260,7 +1262,7 @@
     </p:spTree>
     <p:extLst>
       <p:ext uri="{BB962C8B-B14F-4D97-AF65-F5344CB8AC3E}">
-        <p14:creationId xmlns:p14="http://schemas.microsoft.com/office/powerpoint/2010/main" val="2681385280"/>
+        <p14:creationId xmlns:p14="http://schemas.microsoft.com/office/powerpoint/2010/main" val="518563133"/>
       </p:ext>
     </p:extLst>
   </p:cSld>
@@ -1354,7 +1356,7 @@
     </p:spTree>
     <p:extLst>
       <p:ext uri="{BB962C8B-B14F-4D97-AF65-F5344CB8AC3E}">
-        <p14:creationId xmlns:p14="http://schemas.microsoft.com/office/powerpoint/2010/main" val="1277179002"/>
+        <p14:creationId xmlns:p14="http://schemas.microsoft.com/office/powerpoint/2010/main" val="2681385280"/>
       </p:ext>
     </p:extLst>
   </p:cSld>
@@ -1448,7 +1450,7 @@
     </p:spTree>
     <p:extLst>
       <p:ext uri="{BB962C8B-B14F-4D97-AF65-F5344CB8AC3E}">
-        <p14:creationId xmlns:p14="http://schemas.microsoft.com/office/powerpoint/2010/main" val="3832847409"/>
+        <p14:creationId xmlns:p14="http://schemas.microsoft.com/office/powerpoint/2010/main" val="1277179002"/>
       </p:ext>
     </p:extLst>
   </p:cSld>
@@ -1534,6 +1536,194 @@
             <a:fld id="{F97DC217-DF71-1A49-B3EA-559F1F43B0FF}" type="slidenum">
               <a:rPr lang="es-ES" smtClean="0"/>
               <a:t>17</a:t>
+            </a:fld>
+            <a:endParaRPr lang="es-ES" dirty="0"/>
+          </a:p>
+        </p:txBody>
+      </p:sp>
+    </p:spTree>
+    <p:extLst>
+      <p:ext uri="{BB962C8B-B14F-4D97-AF65-F5344CB8AC3E}">
+        <p14:creationId xmlns:p14="http://schemas.microsoft.com/office/powerpoint/2010/main" val="3832847409"/>
+      </p:ext>
+    </p:extLst>
+  </p:cSld>
+  <p:clrMapOvr>
+    <a:masterClrMapping/>
+  </p:clrMapOvr>
+</p:notes>
+</file>
+
+<file path=ppt/notesSlides/notesSlide18.xml><?xml version="1.0" encoding="utf-8"?>
+<p:notes xmlns:a="http://schemas.openxmlformats.org/drawingml/2006/main" xmlns:r="http://schemas.openxmlformats.org/officeDocument/2006/relationships" xmlns:p="http://schemas.openxmlformats.org/presentationml/2006/main">
+  <p:cSld>
+    <p:spTree>
+      <p:nvGrpSpPr>
+        <p:cNvPr id="1" name=""/>
+        <p:cNvGrpSpPr/>
+        <p:nvPr/>
+      </p:nvGrpSpPr>
+      <p:grpSpPr>
+        <a:xfrm>
+          <a:off x="0" y="0"/>
+          <a:ext cx="0" cy="0"/>
+          <a:chOff x="0" y="0"/>
+          <a:chExt cx="0" cy="0"/>
+        </a:xfrm>
+      </p:grpSpPr>
+      <p:sp>
+        <p:nvSpPr>
+          <p:cNvPr id="2" name="Marcador de imagen de diapositiva 1"/>
+          <p:cNvSpPr>
+            <a:spLocks noGrp="1" noRot="1" noChangeAspect="1"/>
+          </p:cNvSpPr>
+          <p:nvPr>
+            <p:ph type="sldImg"/>
+          </p:nvPr>
+        </p:nvSpPr>
+        <p:spPr/>
+      </p:sp>
+      <p:sp>
+        <p:nvSpPr>
+          <p:cNvPr id="3" name="Marcador de notas 2"/>
+          <p:cNvSpPr>
+            <a:spLocks noGrp="1"/>
+          </p:cNvSpPr>
+          <p:nvPr>
+            <p:ph type="body" idx="1"/>
+          </p:nvPr>
+        </p:nvSpPr>
+        <p:spPr/>
+        <p:txBody>
+          <a:bodyPr rtlCol="0"/>
+          <a:lstStyle>
+            <a:defPPr>
+              <a:defRPr lang="es-ES"/>
+            </a:defPPr>
+          </a:lstStyle>
+          <a:p>
+            <a:pPr rtl="0"/>
+            <a:endParaRPr lang="es-ES" dirty="0"/>
+          </a:p>
+        </p:txBody>
+      </p:sp>
+      <p:sp>
+        <p:nvSpPr>
+          <p:cNvPr id="4" name="Marcador de número de diapositiva 3"/>
+          <p:cNvSpPr>
+            <a:spLocks noGrp="1"/>
+          </p:cNvSpPr>
+          <p:nvPr>
+            <p:ph type="sldNum" sz="quarter" idx="5"/>
+          </p:nvPr>
+        </p:nvSpPr>
+        <p:spPr/>
+        <p:txBody>
+          <a:bodyPr rtlCol="0"/>
+          <a:lstStyle>
+            <a:defPPr>
+              <a:defRPr lang="es-ES"/>
+            </a:defPPr>
+          </a:lstStyle>
+          <a:p>
+            <a:pPr rtl="0"/>
+            <a:fld id="{F97DC217-DF71-1A49-B3EA-559F1F43B0FF}" type="slidenum">
+              <a:rPr lang="es-ES" smtClean="0"/>
+              <a:t>18</a:t>
+            </a:fld>
+            <a:endParaRPr lang="es-ES" dirty="0"/>
+          </a:p>
+        </p:txBody>
+      </p:sp>
+    </p:spTree>
+    <p:extLst>
+      <p:ext uri="{BB962C8B-B14F-4D97-AF65-F5344CB8AC3E}">
+        <p14:creationId xmlns:p14="http://schemas.microsoft.com/office/powerpoint/2010/main" val="2542836296"/>
+      </p:ext>
+    </p:extLst>
+  </p:cSld>
+  <p:clrMapOvr>
+    <a:masterClrMapping/>
+  </p:clrMapOvr>
+</p:notes>
+</file>
+
+<file path=ppt/notesSlides/notesSlide19.xml><?xml version="1.0" encoding="utf-8"?>
+<p:notes xmlns:a="http://schemas.openxmlformats.org/drawingml/2006/main" xmlns:r="http://schemas.openxmlformats.org/officeDocument/2006/relationships" xmlns:p="http://schemas.openxmlformats.org/presentationml/2006/main">
+  <p:cSld>
+    <p:spTree>
+      <p:nvGrpSpPr>
+        <p:cNvPr id="1" name=""/>
+        <p:cNvGrpSpPr/>
+        <p:nvPr/>
+      </p:nvGrpSpPr>
+      <p:grpSpPr>
+        <a:xfrm>
+          <a:off x="0" y="0"/>
+          <a:ext cx="0" cy="0"/>
+          <a:chOff x="0" y="0"/>
+          <a:chExt cx="0" cy="0"/>
+        </a:xfrm>
+      </p:grpSpPr>
+      <p:sp>
+        <p:nvSpPr>
+          <p:cNvPr id="2" name="Marcador de imagen de diapositiva 1"/>
+          <p:cNvSpPr>
+            <a:spLocks noGrp="1" noRot="1" noChangeAspect="1"/>
+          </p:cNvSpPr>
+          <p:nvPr>
+            <p:ph type="sldImg"/>
+          </p:nvPr>
+        </p:nvSpPr>
+        <p:spPr/>
+      </p:sp>
+      <p:sp>
+        <p:nvSpPr>
+          <p:cNvPr id="3" name="Marcador de notas 2"/>
+          <p:cNvSpPr>
+            <a:spLocks noGrp="1"/>
+          </p:cNvSpPr>
+          <p:nvPr>
+            <p:ph type="body" idx="1"/>
+          </p:nvPr>
+        </p:nvSpPr>
+        <p:spPr/>
+        <p:txBody>
+          <a:bodyPr rtlCol="0"/>
+          <a:lstStyle>
+            <a:defPPr>
+              <a:defRPr lang="es-ES"/>
+            </a:defPPr>
+          </a:lstStyle>
+          <a:p>
+            <a:pPr rtl="0"/>
+            <a:endParaRPr lang="es-ES" dirty="0"/>
+          </a:p>
+        </p:txBody>
+      </p:sp>
+      <p:sp>
+        <p:nvSpPr>
+          <p:cNvPr id="4" name="Marcador de número de diapositiva 3"/>
+          <p:cNvSpPr>
+            <a:spLocks noGrp="1"/>
+          </p:cNvSpPr>
+          <p:nvPr>
+            <p:ph type="sldNum" sz="quarter" idx="5"/>
+          </p:nvPr>
+        </p:nvSpPr>
+        <p:spPr/>
+        <p:txBody>
+          <a:bodyPr rtlCol="0"/>
+          <a:lstStyle>
+            <a:defPPr>
+              <a:defRPr lang="es-ES"/>
+            </a:defPPr>
+          </a:lstStyle>
+          <a:p>
+            <a:pPr rtl="0"/>
+            <a:fld id="{F97DC217-DF71-1A49-B3EA-559F1F43B0FF}" type="slidenum">
+              <a:rPr lang="es-ES" smtClean="0"/>
+              <a:t>19</a:t>
             </a:fld>
             <a:endParaRPr lang="es-ES" dirty="0"/>
           </a:p>
@@ -11534,10 +11724,10 @@
       </p:pic>
       <p:pic>
         <p:nvPicPr>
-          <p:cNvPr id="4" name="Imagen 3" descr="Interfaz de usuario gráfica&#10;&#10;Descripción generada automáticamente">
+          <p:cNvPr id="3" name="Imagen 2" descr="Interfaz de usuario gráfica, Aplicación&#10;&#10;Descripción generada automáticamente">
             <a:extLst>
               <a:ext uri="{FF2B5EF4-FFF2-40B4-BE49-F238E27FC236}">
-                <a16:creationId xmlns:a16="http://schemas.microsoft.com/office/drawing/2014/main" id="{C9BE0F93-341B-CF2A-E98A-C336FFF0A487}"/>
+                <a16:creationId xmlns:a16="http://schemas.microsoft.com/office/drawing/2014/main" id="{3726EDEC-9710-030C-D758-1D870BBE7532}"/>
               </a:ext>
             </a:extLst>
           </p:cNvPr>
@@ -11554,8 +11744,8 @@
         </p:blipFill>
         <p:spPr>
           <a:xfrm>
-            <a:off x="3770167" y="3869519"/>
-            <a:ext cx="8225508" cy="2413293"/>
+            <a:off x="4509955" y="3968832"/>
+            <a:ext cx="7222246" cy="2422136"/>
           </a:xfrm>
           <a:prstGeom prst="rect">
             <a:avLst/>
@@ -11610,8 +11800,8 @@
         </p:nvSpPr>
         <p:spPr>
           <a:xfrm>
-            <a:off x="1167493" y="-267562"/>
-            <a:ext cx="9779183" cy="1706563"/>
+            <a:off x="1158864" y="102021"/>
+            <a:ext cx="9779183" cy="1744415"/>
           </a:xfrm>
         </p:spPr>
         <p:txBody>
@@ -11654,12 +11844,13 @@
         </p:blipFill>
         <p:spPr>
           <a:xfrm>
-            <a:off x="1001774" y="2536553"/>
-            <a:ext cx="10718590" cy="2505710"/>
+            <a:off x="1158865" y="2551821"/>
+            <a:ext cx="9779182" cy="2298107"/>
           </a:xfrm>
           <a:prstGeom prst="rect">
             <a:avLst/>
           </a:prstGeom>
+          <a:noFill/>
         </p:spPr>
       </p:pic>
     </p:spTree>
@@ -11710,8 +11901,8 @@
         </p:nvSpPr>
         <p:spPr>
           <a:xfrm>
-            <a:off x="1167493" y="-267562"/>
-            <a:ext cx="9779183" cy="1706563"/>
+            <a:off x="1158864" y="102021"/>
+            <a:ext cx="9779183" cy="1744415"/>
           </a:xfrm>
         </p:spPr>
         <p:txBody>
@@ -11734,10 +11925,10 @@
       </p:sp>
       <p:pic>
         <p:nvPicPr>
-          <p:cNvPr id="3" name="Imagen 2" descr="Interfaz de usuario gráfica, Texto, Aplicación&#10;&#10;Descripción generada automáticamente">
+          <p:cNvPr id="2" name="Imagen 1" descr="Interfaz de usuario gráfica, Aplicación&#10;&#10;Descripción generada automáticamente">
             <a:extLst>
               <a:ext uri="{FF2B5EF4-FFF2-40B4-BE49-F238E27FC236}">
-                <a16:creationId xmlns:a16="http://schemas.microsoft.com/office/drawing/2014/main" id="{F6EF4B1D-8A48-4699-54FC-651CF92523AF}"/>
+                <a16:creationId xmlns:a16="http://schemas.microsoft.com/office/drawing/2014/main" id="{52DBBAC8-05C1-4D42-EAE5-A7729FCF5A9F}"/>
               </a:ext>
             </a:extLst>
           </p:cNvPr>
@@ -11754,12 +11945,13 @@
         </p:blipFill>
         <p:spPr>
           <a:xfrm>
-            <a:off x="1793710" y="1501184"/>
-            <a:ext cx="9009271" cy="4672023"/>
+            <a:off x="2466738" y="2017467"/>
+            <a:ext cx="7163436" cy="3366815"/>
           </a:xfrm>
           <a:prstGeom prst="rect">
             <a:avLst/>
           </a:prstGeom>
+          <a:noFill/>
         </p:spPr>
       </p:pic>
     </p:spTree>
@@ -11776,6 +11968,107 @@
 </file>
 
 <file path=ppt/slides/slide13.xml><?xml version="1.0" encoding="utf-8"?>
+<p:sld xmlns:a="http://schemas.openxmlformats.org/drawingml/2006/main" xmlns:r="http://schemas.openxmlformats.org/officeDocument/2006/relationships" xmlns:p="http://schemas.openxmlformats.org/presentationml/2006/main">
+  <p:cSld>
+    <p:spTree>
+      <p:nvGrpSpPr>
+        <p:cNvPr id="1" name=""/>
+        <p:cNvGrpSpPr/>
+        <p:nvPr/>
+      </p:nvGrpSpPr>
+      <p:grpSpPr>
+        <a:xfrm>
+          <a:off x="0" y="0"/>
+          <a:ext cx="0" cy="0"/>
+          <a:chOff x="0" y="0"/>
+          <a:chExt cx="0" cy="0"/>
+        </a:xfrm>
+      </p:grpSpPr>
+      <p:sp>
+        <p:nvSpPr>
+          <p:cNvPr id="5" name="Título 4">
+            <a:extLst>
+              <a:ext uri="{FF2B5EF4-FFF2-40B4-BE49-F238E27FC236}">
+                <a16:creationId xmlns:a16="http://schemas.microsoft.com/office/drawing/2014/main" id="{7FF5EE67-DE83-C00F-F31C-58A2B46234DB}"/>
+              </a:ext>
+            </a:extLst>
+          </p:cNvPr>
+          <p:cNvSpPr>
+            <a:spLocks noGrp="1"/>
+          </p:cNvSpPr>
+          <p:nvPr>
+            <p:ph type="title"/>
+          </p:nvPr>
+        </p:nvSpPr>
+        <p:spPr>
+          <a:xfrm>
+            <a:off x="1158864" y="102021"/>
+            <a:ext cx="9779183" cy="1744415"/>
+          </a:xfrm>
+        </p:spPr>
+        <p:txBody>
+          <a:bodyPr rtlCol="0" anchor="b">
+            <a:normAutofit/>
+          </a:bodyPr>
+          <a:lstStyle>
+            <a:defPPr>
+              <a:defRPr lang="es-ES"/>
+            </a:defPPr>
+          </a:lstStyle>
+          <a:p>
+            <a:pPr rtl="0"/>
+            <a:r>
+              <a:rPr lang="es-ES" dirty="0"/>
+              <a:t>Listado reservas</a:t>
+            </a:r>
+          </a:p>
+        </p:txBody>
+      </p:sp>
+      <p:pic>
+        <p:nvPicPr>
+          <p:cNvPr id="3" name="Imagen 2" descr="Interfaz de usuario gráfica, Aplicación, Word&#10;&#10;Descripción generada automáticamente">
+            <a:extLst>
+              <a:ext uri="{FF2B5EF4-FFF2-40B4-BE49-F238E27FC236}">
+                <a16:creationId xmlns:a16="http://schemas.microsoft.com/office/drawing/2014/main" id="{3CE84E60-1D2E-1FE7-BD23-89216A3B9916}"/>
+              </a:ext>
+            </a:extLst>
+          </p:cNvPr>
+          <p:cNvPicPr>
+            <a:picLocks noChangeAspect="1"/>
+          </p:cNvPicPr>
+          <p:nvPr/>
+        </p:nvPicPr>
+        <p:blipFill>
+          <a:blip r:embed="rId3"/>
+          <a:stretch>
+            <a:fillRect/>
+          </a:stretch>
+        </p:blipFill>
+        <p:spPr>
+          <a:xfrm>
+            <a:off x="1158865" y="2148429"/>
+            <a:ext cx="9779182" cy="3104890"/>
+          </a:xfrm>
+          <a:prstGeom prst="rect">
+            <a:avLst/>
+          </a:prstGeom>
+          <a:noFill/>
+        </p:spPr>
+      </p:pic>
+    </p:spTree>
+    <p:extLst>
+      <p:ext uri="{BB962C8B-B14F-4D97-AF65-F5344CB8AC3E}">
+        <p14:creationId xmlns:p14="http://schemas.microsoft.com/office/powerpoint/2010/main" val="3393184347"/>
+      </p:ext>
+    </p:extLst>
+  </p:cSld>
+  <p:clrMapOvr>
+    <a:masterClrMapping/>
+  </p:clrMapOvr>
+</p:sld>
+</file>
+
+<file path=ppt/slides/slide14.xml><?xml version="1.0" encoding="utf-8"?>
 <p:sld xmlns:a="http://schemas.openxmlformats.org/drawingml/2006/main" xmlns:r="http://schemas.openxmlformats.org/officeDocument/2006/relationships" xmlns:p="http://schemas.openxmlformats.org/presentationml/2006/main">
   <p:cSld>
     <p:spTree>
@@ -11877,106 +12170,6 @@
 </p:sld>
 </file>
 
-<file path=ppt/slides/slide14.xml><?xml version="1.0" encoding="utf-8"?>
-<p:sld xmlns:a="http://schemas.openxmlformats.org/drawingml/2006/main" xmlns:r="http://schemas.openxmlformats.org/officeDocument/2006/relationships" xmlns:p="http://schemas.openxmlformats.org/presentationml/2006/main">
-  <p:cSld>
-    <p:spTree>
-      <p:nvGrpSpPr>
-        <p:cNvPr id="1" name=""/>
-        <p:cNvGrpSpPr/>
-        <p:nvPr/>
-      </p:nvGrpSpPr>
-      <p:grpSpPr>
-        <a:xfrm>
-          <a:off x="0" y="0"/>
-          <a:ext cx="0" cy="0"/>
-          <a:chOff x="0" y="0"/>
-          <a:chExt cx="0" cy="0"/>
-        </a:xfrm>
-      </p:grpSpPr>
-      <p:sp>
-        <p:nvSpPr>
-          <p:cNvPr id="5" name="Título 4">
-            <a:extLst>
-              <a:ext uri="{FF2B5EF4-FFF2-40B4-BE49-F238E27FC236}">
-                <a16:creationId xmlns:a16="http://schemas.microsoft.com/office/drawing/2014/main" id="{7FF5EE67-DE83-C00F-F31C-58A2B46234DB}"/>
-              </a:ext>
-            </a:extLst>
-          </p:cNvPr>
-          <p:cNvSpPr>
-            <a:spLocks noGrp="1"/>
-          </p:cNvSpPr>
-          <p:nvPr>
-            <p:ph type="title"/>
-          </p:nvPr>
-        </p:nvSpPr>
-        <p:spPr>
-          <a:xfrm>
-            <a:off x="1167493" y="-267562"/>
-            <a:ext cx="9779183" cy="1706563"/>
-          </a:xfrm>
-        </p:spPr>
-        <p:txBody>
-          <a:bodyPr rtlCol="0" anchor="b">
-            <a:normAutofit/>
-          </a:bodyPr>
-          <a:lstStyle>
-            <a:defPPr>
-              <a:defRPr lang="es-ES"/>
-            </a:defPPr>
-          </a:lstStyle>
-          <a:p>
-            <a:pPr rtl="0"/>
-            <a:r>
-              <a:rPr lang="es-ES" dirty="0"/>
-              <a:t>Usuario Cliente</a:t>
-            </a:r>
-          </a:p>
-        </p:txBody>
-      </p:sp>
-      <p:pic>
-        <p:nvPicPr>
-          <p:cNvPr id="2" name="Imagen 1" descr="Tabla&#10;&#10;Descripción generada automáticamente con confianza media">
-            <a:extLst>
-              <a:ext uri="{FF2B5EF4-FFF2-40B4-BE49-F238E27FC236}">
-                <a16:creationId xmlns:a16="http://schemas.microsoft.com/office/drawing/2014/main" id="{59588AF0-6D7A-CE8D-6BC8-169210F3BD1B}"/>
-              </a:ext>
-            </a:extLst>
-          </p:cNvPr>
-          <p:cNvPicPr>
-            <a:picLocks noChangeAspect="1"/>
-          </p:cNvPicPr>
-          <p:nvPr/>
-        </p:nvPicPr>
-        <p:blipFill>
-          <a:blip r:embed="rId3"/>
-          <a:stretch>
-            <a:fillRect/>
-          </a:stretch>
-        </p:blipFill>
-        <p:spPr>
-          <a:xfrm>
-            <a:off x="1601993" y="1707060"/>
-            <a:ext cx="9344683" cy="4399825"/>
-          </a:xfrm>
-          <a:prstGeom prst="rect">
-            <a:avLst/>
-          </a:prstGeom>
-        </p:spPr>
-      </p:pic>
-    </p:spTree>
-    <p:extLst>
-      <p:ext uri="{BB962C8B-B14F-4D97-AF65-F5344CB8AC3E}">
-        <p14:creationId xmlns:p14="http://schemas.microsoft.com/office/powerpoint/2010/main" val="309255650"/>
-      </p:ext>
-    </p:extLst>
-  </p:cSld>
-  <p:clrMapOvr>
-    <a:masterClrMapping/>
-  </p:clrMapOvr>
-</p:sld>
-</file>
-
 <file path=ppt/slides/slide15.xml><?xml version="1.0" encoding="utf-8"?>
 <p:sld xmlns:a="http://schemas.openxmlformats.org/drawingml/2006/main" xmlns:r="http://schemas.openxmlformats.org/officeDocument/2006/relationships" xmlns:p="http://schemas.openxmlformats.org/presentationml/2006/main">
   <p:cSld>
@@ -12012,8 +12205,8 @@
         </p:nvSpPr>
         <p:spPr>
           <a:xfrm>
-            <a:off x="1167493" y="-267562"/>
-            <a:ext cx="9779183" cy="1706563"/>
+            <a:off x="1167492" y="45085"/>
+            <a:ext cx="9779183" cy="1600835"/>
           </a:xfrm>
         </p:spPr>
         <p:txBody>
@@ -12029,17 +12222,17 @@
             <a:pPr rtl="0"/>
             <a:r>
               <a:rPr lang="es-ES" dirty="0"/>
-              <a:t>Listar habitaciones</a:t>
+              <a:t>Usuario Cliente</a:t>
             </a:r>
           </a:p>
         </p:txBody>
       </p:sp>
       <p:pic>
         <p:nvPicPr>
-          <p:cNvPr id="3" name="Imagen 2" descr="Interfaz de usuario gráfica&#10;&#10;Descripción generada automáticamente con confianza media">
+          <p:cNvPr id="3" name="Imagen 2" descr="Interfaz de usuario gráfica, Aplicación&#10;&#10;Descripción generada automáticamente">
             <a:extLst>
               <a:ext uri="{FF2B5EF4-FFF2-40B4-BE49-F238E27FC236}">
-                <a16:creationId xmlns:a16="http://schemas.microsoft.com/office/drawing/2014/main" id="{2F019546-8673-A9C7-BA95-C228765D1654}"/>
+                <a16:creationId xmlns:a16="http://schemas.microsoft.com/office/drawing/2014/main" id="{93EFB29A-17A8-6F87-581D-D749AACCE57D}"/>
               </a:ext>
             </a:extLst>
           </p:cNvPr>
@@ -12056,18 +12249,19 @@
         </p:blipFill>
         <p:spPr>
           <a:xfrm>
-            <a:off x="995760" y="2587082"/>
-            <a:ext cx="9950916" cy="2769734"/>
+            <a:off x="2380512" y="2652713"/>
+            <a:ext cx="7351736" cy="3436936"/>
           </a:xfrm>
           <a:prstGeom prst="rect">
             <a:avLst/>
           </a:prstGeom>
+          <a:noFill/>
         </p:spPr>
       </p:pic>
     </p:spTree>
     <p:extLst>
       <p:ext uri="{BB962C8B-B14F-4D97-AF65-F5344CB8AC3E}">
-        <p14:creationId xmlns:p14="http://schemas.microsoft.com/office/powerpoint/2010/main" val="1874850432"/>
+        <p14:creationId xmlns:p14="http://schemas.microsoft.com/office/powerpoint/2010/main" val="309255650"/>
       </p:ext>
     </p:extLst>
   </p:cSld>
@@ -12112,8 +12306,8 @@
         </p:nvSpPr>
         <p:spPr>
           <a:xfrm>
-            <a:off x="1167493" y="-267562"/>
-            <a:ext cx="9779183" cy="1706563"/>
+            <a:off x="1158864" y="102021"/>
+            <a:ext cx="9779183" cy="1744415"/>
           </a:xfrm>
         </p:spPr>
         <p:txBody>
@@ -12129,17 +12323,17 @@
             <a:pPr rtl="0"/>
             <a:r>
               <a:rPr lang="es-ES" dirty="0"/>
-              <a:t>Alta reservas</a:t>
+              <a:t>Listar habitaciones</a:t>
             </a:r>
           </a:p>
         </p:txBody>
       </p:sp>
       <p:pic>
         <p:nvPicPr>
-          <p:cNvPr id="2" name="Imagen 1" descr="Interfaz de usuario gráfica&#10;&#10;Descripción generada automáticamente con confianza media">
+          <p:cNvPr id="2" name="Imagen 1" descr="Interfaz de usuario gráfica, Texto, Aplicación, Correo electrónico&#10;&#10;Descripción generada automáticamente">
             <a:extLst>
               <a:ext uri="{FF2B5EF4-FFF2-40B4-BE49-F238E27FC236}">
-                <a16:creationId xmlns:a16="http://schemas.microsoft.com/office/drawing/2014/main" id="{136FA80B-144B-99B5-06F5-B3CABBCC8525}"/>
+                <a16:creationId xmlns:a16="http://schemas.microsoft.com/office/drawing/2014/main" id="{D2479037-04C0-7FAF-91D9-B5FEA6C0A0E9}"/>
               </a:ext>
             </a:extLst>
           </p:cNvPr>
@@ -12156,12 +12350,114 @@
         </p:blipFill>
         <p:spPr>
           <a:xfrm>
-            <a:off x="1361398" y="2608035"/>
-            <a:ext cx="9999342" cy="2290536"/>
+            <a:off x="2087497" y="2017467"/>
+            <a:ext cx="7921918" cy="3366815"/>
           </a:xfrm>
           <a:prstGeom prst="rect">
             <a:avLst/>
           </a:prstGeom>
+          <a:noFill/>
+        </p:spPr>
+      </p:pic>
+    </p:spTree>
+    <p:extLst>
+      <p:ext uri="{BB962C8B-B14F-4D97-AF65-F5344CB8AC3E}">
+        <p14:creationId xmlns:p14="http://schemas.microsoft.com/office/powerpoint/2010/main" val="1874850432"/>
+      </p:ext>
+    </p:extLst>
+  </p:cSld>
+  <p:clrMapOvr>
+    <a:masterClrMapping/>
+  </p:clrMapOvr>
+</p:sld>
+</file>
+
+<file path=ppt/slides/slide17.xml><?xml version="1.0" encoding="utf-8"?>
+<p:sld xmlns:a="http://schemas.openxmlformats.org/drawingml/2006/main" xmlns:r="http://schemas.openxmlformats.org/officeDocument/2006/relationships" xmlns:p="http://schemas.openxmlformats.org/presentationml/2006/main">
+  <p:cSld>
+    <p:spTree>
+      <p:nvGrpSpPr>
+        <p:cNvPr id="1" name=""/>
+        <p:cNvGrpSpPr/>
+        <p:nvPr/>
+      </p:nvGrpSpPr>
+      <p:grpSpPr>
+        <a:xfrm>
+          <a:off x="0" y="0"/>
+          <a:ext cx="0" cy="0"/>
+          <a:chOff x="0" y="0"/>
+          <a:chExt cx="0" cy="0"/>
+        </a:xfrm>
+      </p:grpSpPr>
+      <p:sp>
+        <p:nvSpPr>
+          <p:cNvPr id="5" name="Título 4">
+            <a:extLst>
+              <a:ext uri="{FF2B5EF4-FFF2-40B4-BE49-F238E27FC236}">
+                <a16:creationId xmlns:a16="http://schemas.microsoft.com/office/drawing/2014/main" id="{7FF5EE67-DE83-C00F-F31C-58A2B46234DB}"/>
+              </a:ext>
+            </a:extLst>
+          </p:cNvPr>
+          <p:cNvSpPr>
+            <a:spLocks noGrp="1"/>
+          </p:cNvSpPr>
+          <p:nvPr>
+            <p:ph type="title"/>
+          </p:nvPr>
+        </p:nvSpPr>
+        <p:spPr>
+          <a:xfrm>
+            <a:off x="1158864" y="102021"/>
+            <a:ext cx="9779183" cy="1744415"/>
+          </a:xfrm>
+        </p:spPr>
+        <p:txBody>
+          <a:bodyPr rtlCol="0" anchor="b">
+            <a:normAutofit/>
+          </a:bodyPr>
+          <a:lstStyle>
+            <a:defPPr>
+              <a:defRPr lang="es-ES"/>
+            </a:defPPr>
+          </a:lstStyle>
+          <a:p>
+            <a:pPr rtl="0"/>
+            <a:r>
+              <a:rPr lang="es-ES" dirty="0"/>
+              <a:t>Alta reservas</a:t>
+            </a:r>
+          </a:p>
+        </p:txBody>
+      </p:sp>
+      <p:pic>
+        <p:nvPicPr>
+          <p:cNvPr id="6" name="Imagen 5">
+            <a:extLst>
+              <a:ext uri="{FF2B5EF4-FFF2-40B4-BE49-F238E27FC236}">
+                <a16:creationId xmlns:a16="http://schemas.microsoft.com/office/drawing/2014/main" id="{D856640D-0C1F-1F75-0AD6-B87DC254DC48}"/>
+              </a:ext>
+            </a:extLst>
+          </p:cNvPr>
+          <p:cNvPicPr>
+            <a:picLocks noChangeAspect="1"/>
+          </p:cNvPicPr>
+          <p:nvPr/>
+        </p:nvPicPr>
+        <p:blipFill>
+          <a:blip r:embed="rId3"/>
+          <a:stretch>
+            <a:fillRect/>
+          </a:stretch>
+        </p:blipFill>
+        <p:spPr>
+          <a:xfrm>
+            <a:off x="1158865" y="2380685"/>
+            <a:ext cx="9779182" cy="2640378"/>
+          </a:xfrm>
+          <a:prstGeom prst="rect">
+            <a:avLst/>
+          </a:prstGeom>
+          <a:noFill/>
         </p:spPr>
       </p:pic>
     </p:spTree>
@@ -12177,7 +12473,108 @@
 </p:sld>
 </file>
 
-<file path=ppt/slides/slide17.xml><?xml version="1.0" encoding="utf-8"?>
+<file path=ppt/slides/slide18.xml><?xml version="1.0" encoding="utf-8"?>
+<p:sld xmlns:a="http://schemas.openxmlformats.org/drawingml/2006/main" xmlns:r="http://schemas.openxmlformats.org/officeDocument/2006/relationships" xmlns:p="http://schemas.openxmlformats.org/presentationml/2006/main">
+  <p:cSld>
+    <p:spTree>
+      <p:nvGrpSpPr>
+        <p:cNvPr id="1" name=""/>
+        <p:cNvGrpSpPr/>
+        <p:nvPr/>
+      </p:nvGrpSpPr>
+      <p:grpSpPr>
+        <a:xfrm>
+          <a:off x="0" y="0"/>
+          <a:ext cx="0" cy="0"/>
+          <a:chOff x="0" y="0"/>
+          <a:chExt cx="0" cy="0"/>
+        </a:xfrm>
+      </p:grpSpPr>
+      <p:sp>
+        <p:nvSpPr>
+          <p:cNvPr id="5" name="Título 4">
+            <a:extLst>
+              <a:ext uri="{FF2B5EF4-FFF2-40B4-BE49-F238E27FC236}">
+                <a16:creationId xmlns:a16="http://schemas.microsoft.com/office/drawing/2014/main" id="{7FF5EE67-DE83-C00F-F31C-58A2B46234DB}"/>
+              </a:ext>
+            </a:extLst>
+          </p:cNvPr>
+          <p:cNvSpPr>
+            <a:spLocks noGrp="1"/>
+          </p:cNvSpPr>
+          <p:nvPr>
+            <p:ph type="title"/>
+          </p:nvPr>
+        </p:nvSpPr>
+        <p:spPr>
+          <a:xfrm>
+            <a:off x="1158864" y="102021"/>
+            <a:ext cx="9779183" cy="1744415"/>
+          </a:xfrm>
+        </p:spPr>
+        <p:txBody>
+          <a:bodyPr rtlCol="0" anchor="b">
+            <a:normAutofit/>
+          </a:bodyPr>
+          <a:lstStyle>
+            <a:defPPr>
+              <a:defRPr lang="es-ES"/>
+            </a:defPPr>
+          </a:lstStyle>
+          <a:p>
+            <a:pPr rtl="0"/>
+            <a:r>
+              <a:rPr lang="es-ES" dirty="0"/>
+              <a:t>Listado reservas</a:t>
+            </a:r>
+          </a:p>
+        </p:txBody>
+      </p:sp>
+      <p:pic>
+        <p:nvPicPr>
+          <p:cNvPr id="2" name="Imagen 1" descr="Interfaz de usuario gráfica, Aplicación, Word&#10;&#10;Descripción generada automáticamente">
+            <a:extLst>
+              <a:ext uri="{FF2B5EF4-FFF2-40B4-BE49-F238E27FC236}">
+                <a16:creationId xmlns:a16="http://schemas.microsoft.com/office/drawing/2014/main" id="{43D06AA3-AD0C-87C5-63E1-AAFFF247B2D2}"/>
+              </a:ext>
+            </a:extLst>
+          </p:cNvPr>
+          <p:cNvPicPr>
+            <a:picLocks noChangeAspect="1"/>
+          </p:cNvPicPr>
+          <p:nvPr/>
+        </p:nvPicPr>
+        <p:blipFill>
+          <a:blip r:embed="rId3"/>
+          <a:stretch>
+            <a:fillRect/>
+          </a:stretch>
+        </p:blipFill>
+        <p:spPr>
+          <a:xfrm>
+            <a:off x="1158865" y="2148429"/>
+            <a:ext cx="9779182" cy="3104890"/>
+          </a:xfrm>
+          <a:prstGeom prst="rect">
+            <a:avLst/>
+          </a:prstGeom>
+          <a:noFill/>
+        </p:spPr>
+      </p:pic>
+    </p:spTree>
+    <p:extLst>
+      <p:ext uri="{BB962C8B-B14F-4D97-AF65-F5344CB8AC3E}">
+        <p14:creationId xmlns:p14="http://schemas.microsoft.com/office/powerpoint/2010/main" val="321718498"/>
+      </p:ext>
+    </p:extLst>
+  </p:cSld>
+  <p:clrMapOvr>
+    <a:masterClrMapping/>
+  </p:clrMapOvr>
+</p:sld>
+</file>
+
+<file path=ppt/slides/slide19.xml><?xml version="1.0" encoding="utf-8"?>
 <p:sld xmlns:a="http://schemas.openxmlformats.org/drawingml/2006/main" xmlns:r="http://schemas.openxmlformats.org/officeDocument/2006/relationships" xmlns:p="http://schemas.openxmlformats.org/presentationml/2006/main">
   <p:cSld>
     <p:spTree>
@@ -12999,8 +13396,8 @@
         </p:nvSpPr>
         <p:spPr>
           <a:xfrm>
-            <a:off x="1167493" y="-267562"/>
-            <a:ext cx="9779183" cy="1706563"/>
+            <a:off x="1167492" y="45085"/>
+            <a:ext cx="9779183" cy="1600835"/>
           </a:xfrm>
         </p:spPr>
         <p:txBody>
@@ -13023,10 +13420,10 @@
       </p:sp>
       <p:pic>
         <p:nvPicPr>
-          <p:cNvPr id="4" name="Imagen 3" descr="Interfaz de usuario gráfica, Aplicación&#10;&#10;Descripción generada automáticamente">
+          <p:cNvPr id="3" name="Imagen 2">
             <a:extLst>
               <a:ext uri="{FF2B5EF4-FFF2-40B4-BE49-F238E27FC236}">
-                <a16:creationId xmlns:a16="http://schemas.microsoft.com/office/drawing/2014/main" id="{BBF33B7F-2B3E-0617-1974-A585C2E5A130}"/>
+                <a16:creationId xmlns:a16="http://schemas.microsoft.com/office/drawing/2014/main" id="{34E536A4-D051-6047-7488-B75D7DD60375}"/>
               </a:ext>
             </a:extLst>
           </p:cNvPr>
@@ -13043,12 +13440,13 @@
         </p:blipFill>
         <p:spPr>
           <a:xfrm>
-            <a:off x="1416688" y="1603148"/>
-            <a:ext cx="9888762" cy="4605995"/>
+            <a:off x="2400065" y="2652713"/>
+            <a:ext cx="7312630" cy="3436936"/>
           </a:xfrm>
           <a:prstGeom prst="rect">
             <a:avLst/>
           </a:prstGeom>
+          <a:noFill/>
         </p:spPr>
       </p:pic>
     </p:spTree>
@@ -13099,8 +13497,8 @@
         </p:nvSpPr>
         <p:spPr>
           <a:xfrm>
-            <a:off x="1167493" y="-267562"/>
-            <a:ext cx="9779183" cy="1706563"/>
+            <a:off x="1167492" y="45085"/>
+            <a:ext cx="9779183" cy="1600835"/>
           </a:xfrm>
         </p:spPr>
         <p:txBody>
@@ -13143,12 +13541,13 @@
         </p:blipFill>
         <p:spPr>
           <a:xfrm>
-            <a:off x="1642971" y="2116854"/>
-            <a:ext cx="9475934" cy="3654682"/>
+            <a:off x="1592829" y="2652713"/>
+            <a:ext cx="8927103" cy="3436936"/>
           </a:xfrm>
           <a:prstGeom prst="rect">
             <a:avLst/>
           </a:prstGeom>
+          <a:noFill/>
         </p:spPr>
       </p:pic>
     </p:spTree>
@@ -13956,26 +14355,6 @@
 </file>
 
 <file path=customXml/item1.xml><?xml version="1.0" encoding="utf-8"?>
-<p:properties xmlns:p="http://schemas.microsoft.com/office/2006/metadata/properties" xmlns:xsi="http://www.w3.org/2001/XMLSchema-instance" xmlns:pc="http://schemas.microsoft.com/office/infopath/2007/PartnerControls">
-  <documentManagement>
-    <_ip_UnifiedCompliancePolicyUIAction xmlns="http://schemas.microsoft.com/sharepoint/v3" xsi:nil="true"/>
-    <Image xmlns="71af3243-3dd4-4a8d-8c0d-dd76da1f02a5">
-      <Url xsi:nil="true"/>
-      <Description xsi:nil="true"/>
-    </Image>
-    <Status xmlns="71af3243-3dd4-4a8d-8c0d-dd76da1f02a5">Not started</Status>
-    <Background xmlns="71af3243-3dd4-4a8d-8c0d-dd76da1f02a5">false</Background>
-    <_ip_UnifiedCompliancePolicyProperties xmlns="http://schemas.microsoft.com/sharepoint/v3" xsi:nil="true"/>
-    <ImageTagsTaxHTField xmlns="71af3243-3dd4-4a8d-8c0d-dd76da1f02a5">
-      <Terms xmlns="http://schemas.microsoft.com/office/infopath/2007/PartnerControls"/>
-    </ImageTagsTaxHTField>
-    <TaxCatchAll xmlns="230e9df3-be65-4c73-a93b-d1236ebd677e" xsi:nil="true"/>
-    <MediaServiceKeyPoints xmlns="71af3243-3dd4-4a8d-8c0d-dd76da1f02a5" xsi:nil="true"/>
-  </documentManagement>
-</p:properties>
-</file>
-
-<file path=customXml/item2.xml><?xml version="1.0" encoding="utf-8"?>
 <ct:contentTypeSchema xmlns:ct="http://schemas.microsoft.com/office/2006/metadata/contentType" xmlns:ma="http://schemas.microsoft.com/office/2006/metadata/properties/metaAttributes" ct:_="" ma:_="" ma:contentTypeName="Document" ma:contentTypeID="0x01010079F111ED35F8CC479449609E8A0923A6" ma:contentTypeVersion="28" ma:contentTypeDescription="Create a new document." ma:contentTypeScope="" ma:versionID="60f5a4f2d2b0abadcf532d48ebf9cb71">
   <xsd:schema xmlns:xsd="http://www.w3.org/2001/XMLSchema" xmlns:xs="http://www.w3.org/2001/XMLSchema" xmlns:p="http://schemas.microsoft.com/office/2006/metadata/properties" xmlns:ns1="http://schemas.microsoft.com/sharepoint/v3" xmlns:ns2="71af3243-3dd4-4a8d-8c0d-dd76da1f02a5" xmlns:ns3="16c05727-aa75-4e4a-9b5f-8a80a1165891" xmlns:ns4="230e9df3-be65-4c73-a93b-d1236ebd677e" targetNamespace="http://schemas.microsoft.com/office/2006/metadata/properties" ma:root="true" ma:fieldsID="7dd78129e6a1811f84807ad11c651531" ns1:_="" ns2:_="" ns3:_="" ns4:_="">
     <xsd:import namespace="http://schemas.microsoft.com/sharepoint/v3"/>
@@ -14287,6 +14666,26 @@
 </ct:contentTypeSchema>
 </file>
 
+<file path=customXml/item2.xml><?xml version="1.0" encoding="utf-8"?>
+<p:properties xmlns:p="http://schemas.microsoft.com/office/2006/metadata/properties" xmlns:xsi="http://www.w3.org/2001/XMLSchema-instance" xmlns:pc="http://schemas.microsoft.com/office/infopath/2007/PartnerControls">
+  <documentManagement>
+    <_ip_UnifiedCompliancePolicyUIAction xmlns="http://schemas.microsoft.com/sharepoint/v3" xsi:nil="true"/>
+    <Image xmlns="71af3243-3dd4-4a8d-8c0d-dd76da1f02a5">
+      <Url xsi:nil="true"/>
+      <Description xsi:nil="true"/>
+    </Image>
+    <Status xmlns="71af3243-3dd4-4a8d-8c0d-dd76da1f02a5">Not started</Status>
+    <Background xmlns="71af3243-3dd4-4a8d-8c0d-dd76da1f02a5">false</Background>
+    <_ip_UnifiedCompliancePolicyProperties xmlns="http://schemas.microsoft.com/sharepoint/v3" xsi:nil="true"/>
+    <ImageTagsTaxHTField xmlns="71af3243-3dd4-4a8d-8c0d-dd76da1f02a5">
+      <Terms xmlns="http://schemas.microsoft.com/office/infopath/2007/PartnerControls"/>
+    </ImageTagsTaxHTField>
+    <TaxCatchAll xmlns="230e9df3-be65-4c73-a93b-d1236ebd677e" xsi:nil="true"/>
+    <MediaServiceKeyPoints xmlns="71af3243-3dd4-4a8d-8c0d-dd76da1f02a5" xsi:nil="true"/>
+  </documentManagement>
+</p:properties>
+</file>
+
 <file path=customXml/item3.xml><?xml version="1.0" encoding="utf-8"?>
 <?mso-contentType ?>
 <FormTemplates xmlns="http://schemas.microsoft.com/sharepoint/v3/contenttype/forms">
@@ -14297,18 +14696,6 @@
 </file>
 
 <file path=customXml/itemProps1.xml><?xml version="1.0" encoding="utf-8"?>
-<ds:datastoreItem xmlns:ds="http://schemas.openxmlformats.org/officeDocument/2006/customXml" ds:itemID="{61E98C35-9ECE-4425-BCBA-00E118C705CE}">
-  <ds:schemaRefs>
-    <ds:schemaRef ds:uri="http://schemas.microsoft.com/office/2006/metadata/properties"/>
-    <ds:schemaRef ds:uri="http://schemas.microsoft.com/office/infopath/2007/PartnerControls"/>
-    <ds:schemaRef ds:uri="http://schemas.microsoft.com/sharepoint/v3"/>
-    <ds:schemaRef ds:uri="71af3243-3dd4-4a8d-8c0d-dd76da1f02a5"/>
-    <ds:schemaRef ds:uri="230e9df3-be65-4c73-a93b-d1236ebd677e"/>
-  </ds:schemaRefs>
-</ds:datastoreItem>
-</file>
-
-<file path=customXml/itemProps2.xml><?xml version="1.0" encoding="utf-8"?>
 <ds:datastoreItem xmlns:ds="http://schemas.openxmlformats.org/officeDocument/2006/customXml" ds:itemID="{5AA6A711-2C3F-4EC0-B88B-62D740851176}">
   <ds:schemaRefs>
     <ds:schemaRef ds:uri="http://schemas.microsoft.com/office/2006/metadata/contentType"/>
@@ -14329,6 +14716,18 @@
 </ds:datastoreItem>
 </file>
 
+<file path=customXml/itemProps2.xml><?xml version="1.0" encoding="utf-8"?>
+<ds:datastoreItem xmlns:ds="http://schemas.openxmlformats.org/officeDocument/2006/customXml" ds:itemID="{61E98C35-9ECE-4425-BCBA-00E118C705CE}">
+  <ds:schemaRefs>
+    <ds:schemaRef ds:uri="http://schemas.microsoft.com/office/2006/metadata/properties"/>
+    <ds:schemaRef ds:uri="http://schemas.microsoft.com/office/infopath/2007/PartnerControls"/>
+    <ds:schemaRef ds:uri="http://schemas.microsoft.com/sharepoint/v3"/>
+    <ds:schemaRef ds:uri="71af3243-3dd4-4a8d-8c0d-dd76da1f02a5"/>
+    <ds:schemaRef ds:uri="230e9df3-be65-4c73-a93b-d1236ebd677e"/>
+  </ds:schemaRefs>
+</ds:datastoreItem>
+</file>
+
 <file path=customXml/itemProps3.xml><?xml version="1.0" encoding="utf-8"?>
 <ds:datastoreItem xmlns:ds="http://schemas.openxmlformats.org/officeDocument/2006/customXml" ds:itemID="{45A8381C-73EB-48EA-B45F-7B7C8C7DF409}">
   <ds:schemaRefs>
